--- a/ppt/20221103.pptx
+++ b/ppt/20221103.pptx
@@ -215,7 +215,7 @@
           <a:p>
             <a:fld id="{2AB1D983-CE9B-4B3A-A34B-F6DCA6FD30F0}" type="datetimeFigureOut">
               <a:rPr lang="en-US" smtClean="0"/>
-              <a:t>11/4/2022</a:t>
+              <a:t>11/11/2022</a:t>
             </a:fld>
             <a:endParaRPr lang="en-US"/>
           </a:p>
@@ -1136,7 +1136,7 @@
           <a:p>
             <a:fld id="{2E449354-5907-40C9-91E4-4ECB16F709B1}" type="datetimeFigureOut">
               <a:rPr lang="en-US" smtClean="0"/>
-              <a:t>11/4/2022</a:t>
+              <a:t>11/11/2022</a:t>
             </a:fld>
             <a:endParaRPr lang="en-US"/>
           </a:p>
@@ -1336,7 +1336,7 @@
           <a:p>
             <a:fld id="{2E449354-5907-40C9-91E4-4ECB16F709B1}" type="datetimeFigureOut">
               <a:rPr lang="en-US" smtClean="0"/>
-              <a:t>11/4/2022</a:t>
+              <a:t>11/11/2022</a:t>
             </a:fld>
             <a:endParaRPr lang="en-US"/>
           </a:p>
@@ -1546,7 +1546,7 @@
           <a:p>
             <a:fld id="{2E449354-5907-40C9-91E4-4ECB16F709B1}" type="datetimeFigureOut">
               <a:rPr lang="en-US" smtClean="0"/>
-              <a:t>11/4/2022</a:t>
+              <a:t>11/11/2022</a:t>
             </a:fld>
             <a:endParaRPr lang="en-US"/>
           </a:p>
@@ -1746,7 +1746,7 @@
           <a:p>
             <a:fld id="{2E449354-5907-40C9-91E4-4ECB16F709B1}" type="datetimeFigureOut">
               <a:rPr lang="en-US" smtClean="0"/>
-              <a:t>11/4/2022</a:t>
+              <a:t>11/11/2022</a:t>
             </a:fld>
             <a:endParaRPr lang="en-US"/>
           </a:p>
@@ -2022,7 +2022,7 @@
           <a:p>
             <a:fld id="{2E449354-5907-40C9-91E4-4ECB16F709B1}" type="datetimeFigureOut">
               <a:rPr lang="en-US" smtClean="0"/>
-              <a:t>11/4/2022</a:t>
+              <a:t>11/11/2022</a:t>
             </a:fld>
             <a:endParaRPr lang="en-US"/>
           </a:p>
@@ -2290,7 +2290,7 @@
           <a:p>
             <a:fld id="{2E449354-5907-40C9-91E4-4ECB16F709B1}" type="datetimeFigureOut">
               <a:rPr lang="en-US" smtClean="0"/>
-              <a:t>11/4/2022</a:t>
+              <a:t>11/11/2022</a:t>
             </a:fld>
             <a:endParaRPr lang="en-US"/>
           </a:p>
@@ -2705,7 +2705,7 @@
           <a:p>
             <a:fld id="{2E449354-5907-40C9-91E4-4ECB16F709B1}" type="datetimeFigureOut">
               <a:rPr lang="en-US" smtClean="0"/>
-              <a:t>11/4/2022</a:t>
+              <a:t>11/11/2022</a:t>
             </a:fld>
             <a:endParaRPr lang="en-US"/>
           </a:p>
@@ -2847,7 +2847,7 @@
           <a:p>
             <a:fld id="{2E449354-5907-40C9-91E4-4ECB16F709B1}" type="datetimeFigureOut">
               <a:rPr lang="en-US" smtClean="0"/>
-              <a:t>11/4/2022</a:t>
+              <a:t>11/11/2022</a:t>
             </a:fld>
             <a:endParaRPr lang="en-US"/>
           </a:p>
@@ -2960,7 +2960,7 @@
           <a:p>
             <a:fld id="{2E449354-5907-40C9-91E4-4ECB16F709B1}" type="datetimeFigureOut">
               <a:rPr lang="en-US" smtClean="0"/>
-              <a:t>11/4/2022</a:t>
+              <a:t>11/11/2022</a:t>
             </a:fld>
             <a:endParaRPr lang="en-US"/>
           </a:p>
@@ -3273,7 +3273,7 @@
           <a:p>
             <a:fld id="{2E449354-5907-40C9-91E4-4ECB16F709B1}" type="datetimeFigureOut">
               <a:rPr lang="en-US" smtClean="0"/>
-              <a:t>11/4/2022</a:t>
+              <a:t>11/11/2022</a:t>
             </a:fld>
             <a:endParaRPr lang="en-US"/>
           </a:p>
@@ -3562,7 +3562,7 @@
           <a:p>
             <a:fld id="{2E449354-5907-40C9-91E4-4ECB16F709B1}" type="datetimeFigureOut">
               <a:rPr lang="en-US" smtClean="0"/>
-              <a:t>11/4/2022</a:t>
+              <a:t>11/11/2022</a:t>
             </a:fld>
             <a:endParaRPr lang="en-US"/>
           </a:p>
@@ -3805,7 +3805,7 @@
           <a:p>
             <a:fld id="{2E449354-5907-40C9-91E4-4ECB16F709B1}" type="datetimeFigureOut">
               <a:rPr lang="en-US" smtClean="0"/>
-              <a:t>11/4/2022</a:t>
+              <a:t>11/11/2022</a:t>
             </a:fld>
             <a:endParaRPr lang="en-US"/>
           </a:p>
@@ -7396,191 +7396,330 @@
           </a:p>
         </p:txBody>
       </p:sp>
-      <p:sp>
-        <p:nvSpPr>
-          <p:cNvPr id="3" name="內容版面配置區 2">
-            <a:extLst>
-              <a:ext uri="{FF2B5EF4-FFF2-40B4-BE49-F238E27FC236}">
-                <a16:creationId xmlns:a16="http://schemas.microsoft.com/office/drawing/2014/main" id="{32BDED13-B17C-44A2-93E6-56AD858640BA}"/>
-              </a:ext>
-            </a:extLst>
-          </p:cNvPr>
-          <p:cNvSpPr>
-            <a:spLocks noGrp="1"/>
-          </p:cNvSpPr>
-          <p:nvPr>
-            <p:ph idx="1"/>
-          </p:nvPr>
-        </p:nvSpPr>
-        <p:spPr>
-          <a:xfrm>
-            <a:off x="546538" y="935420"/>
-            <a:ext cx="11260488" cy="5632513"/>
-          </a:xfrm>
-        </p:spPr>
-        <p:txBody>
-          <a:bodyPr>
-            <a:normAutofit/>
-          </a:bodyPr>
-          <a:lstStyle/>
-          <a:p>
-            <a:pPr marL="0" indent="0">
-              <a:lnSpc>
-                <a:spcPct val="100000"/>
-              </a:lnSpc>
-              <a:buNone/>
-            </a:pPr>
-            <a:r>
-              <a:rPr lang="en-US" altLang="zh-TW" sz="2000" b="0" dirty="0">
-                <a:latin typeface="微軟正黑體" panose="020B0604030504040204" pitchFamily="34" charset="-120"/>
-                <a:ea typeface="微軟正黑體" panose="020B0604030504040204" pitchFamily="34" charset="-120"/>
-              </a:rPr>
-              <a:t>x: </a:t>
-            </a:r>
-            <a:r>
-              <a:rPr lang="en-US" altLang="zh-TW" sz="2000" b="0" dirty="0" err="1">
-                <a:latin typeface="微軟正黑體" panose="020B0604030504040204" pitchFamily="34" charset="-120"/>
-                <a:ea typeface="微軟正黑體" panose="020B0604030504040204" pitchFamily="34" charset="-120"/>
-              </a:rPr>
-              <a:t>Credit_Amt</a:t>
-            </a:r>
-            <a:endParaRPr lang="en-US" altLang="zh-TW" sz="2000" b="0" dirty="0">
-              <a:latin typeface="微軟正黑體" panose="020B0604030504040204" pitchFamily="34" charset="-120"/>
-              <a:ea typeface="微軟正黑體" panose="020B0604030504040204" pitchFamily="34" charset="-120"/>
-            </a:endParaRPr>
-          </a:p>
-          <a:p>
-            <a:pPr marL="0" indent="0">
-              <a:lnSpc>
-                <a:spcPct val="100000"/>
-              </a:lnSpc>
-              <a:buNone/>
-            </a:pPr>
-            <a:r>
-              <a:rPr lang="en-US" altLang="zh-TW" sz="2000" b="0" dirty="0">
-                <a:latin typeface="微軟正黑體" panose="020B0604030504040204" pitchFamily="34" charset="-120"/>
-                <a:ea typeface="微軟正黑體" panose="020B0604030504040204" pitchFamily="34" charset="-120"/>
-              </a:rPr>
-              <a:t>y: </a:t>
-            </a:r>
-            <a:r>
-              <a:rPr lang="en-US" altLang="zh-TW" sz="2000" b="0" dirty="0" err="1">
-                <a:latin typeface="微軟正黑體" panose="020B0604030504040204" pitchFamily="34" charset="-120"/>
-                <a:ea typeface="微軟正黑體" panose="020B0604030504040204" pitchFamily="34" charset="-120"/>
-              </a:rPr>
-              <a:t>number_of</a:t>
-            </a:r>
-            <a:r>
-              <a:rPr lang="en-US" altLang="zh-TW" sz="2000" dirty="0" err="1">
-                <a:latin typeface="微軟正黑體" panose="020B0604030504040204" pitchFamily="34" charset="-120"/>
-                <a:ea typeface="微軟正黑體" panose="020B0604030504040204" pitchFamily="34" charset="-120"/>
-              </a:rPr>
-              <a:t>_Credit</a:t>
-            </a:r>
-            <a:endParaRPr lang="en-US" altLang="zh-TW" sz="2000" dirty="0">
-              <a:latin typeface="微軟正黑體" panose="020B0604030504040204" pitchFamily="34" charset="-120"/>
-              <a:ea typeface="微軟正黑體" panose="020B0604030504040204" pitchFamily="34" charset="-120"/>
-            </a:endParaRPr>
-          </a:p>
-          <a:p>
-            <a:pPr marL="0" indent="0">
-              <a:lnSpc>
-                <a:spcPct val="100000"/>
-              </a:lnSpc>
-              <a:buNone/>
-            </a:pPr>
-            <a:r>
-              <a:rPr lang="en-US" altLang="zh-TW" sz="2000" b="0" dirty="0" err="1">
-                <a:latin typeface="微軟正黑體" panose="020B0604030504040204" pitchFamily="34" charset="-120"/>
-                <a:ea typeface="微軟正黑體" panose="020B0604030504040204" pitchFamily="34" charset="-120"/>
-              </a:rPr>
-              <a:t>Step_size</a:t>
-            </a:r>
-            <a:r>
-              <a:rPr lang="en-US" altLang="zh-TW" sz="2000" b="0" dirty="0">
-                <a:latin typeface="微軟正黑體" panose="020B0604030504040204" pitchFamily="34" charset="-120"/>
-                <a:ea typeface="微軟正黑體" panose="020B0604030504040204" pitchFamily="34" charset="-120"/>
-              </a:rPr>
-              <a:t> = 1</a:t>
-            </a:r>
-          </a:p>
-          <a:p>
-            <a:pPr marL="0" indent="0">
-              <a:lnSpc>
-                <a:spcPct val="100000"/>
-              </a:lnSpc>
-              <a:buNone/>
-            </a:pPr>
-            <a:r>
-              <a:rPr lang="en-US" altLang="zh-TW" sz="2000" dirty="0">
-                <a:latin typeface="微軟正黑體" panose="020B0604030504040204" pitchFamily="34" charset="-120"/>
-                <a:ea typeface="微軟正黑體" panose="020B0604030504040204" pitchFamily="34" charset="-120"/>
-              </a:rPr>
-              <a:t>Gamma = 1e-10</a:t>
-            </a:r>
-          </a:p>
-          <a:p>
-            <a:pPr marL="0" indent="0">
-              <a:lnSpc>
-                <a:spcPct val="100000"/>
-              </a:lnSpc>
-              <a:buNone/>
-            </a:pPr>
-            <a:r>
-              <a:rPr lang="en-US" altLang="zh-TW" sz="2000" b="0" dirty="0" err="1">
-                <a:latin typeface="微軟正黑體" panose="020B0604030504040204" pitchFamily="34" charset="-120"/>
-                <a:ea typeface="微軟正黑體" panose="020B0604030504040204" pitchFamily="34" charset="-120"/>
-              </a:rPr>
-              <a:t>Sigmoid_b</a:t>
-            </a:r>
-            <a:r>
-              <a:rPr lang="en-US" altLang="zh-TW" sz="2000" b="0" dirty="0">
-                <a:latin typeface="微軟正黑體" panose="020B0604030504040204" pitchFamily="34" charset="-120"/>
-                <a:ea typeface="微軟正黑體" panose="020B0604030504040204" pitchFamily="34" charset="-120"/>
-              </a:rPr>
-              <a:t> = 0.8</a:t>
-            </a:r>
-          </a:p>
-          <a:p>
-            <a:pPr marL="0" indent="0">
-              <a:lnSpc>
-                <a:spcPct val="100000"/>
-              </a:lnSpc>
-              <a:buNone/>
-            </a:pPr>
-            <a:r>
-              <a:rPr lang="en-US" altLang="zh-TW" sz="2000" dirty="0" err="1">
-                <a:latin typeface="微軟正黑體" panose="020B0604030504040204" pitchFamily="34" charset="-120"/>
-                <a:ea typeface="微軟正黑體" panose="020B0604030504040204" pitchFamily="34" charset="-120"/>
-              </a:rPr>
-              <a:t>Sigmoid_w</a:t>
-            </a:r>
-            <a:r>
-              <a:rPr lang="en-US" altLang="zh-TW" sz="2000" dirty="0">
-                <a:latin typeface="微軟正黑體" panose="020B0604030504040204" pitchFamily="34" charset="-120"/>
-                <a:ea typeface="微軟正黑體" panose="020B0604030504040204" pitchFamily="34" charset="-120"/>
-              </a:rPr>
-              <a:t> = 5</a:t>
-            </a:r>
-            <a:endParaRPr lang="en-US" altLang="zh-TW" sz="2000" b="0" dirty="0">
-              <a:latin typeface="微軟正黑體" panose="020B0604030504040204" pitchFamily="34" charset="-120"/>
-              <a:ea typeface="微軟正黑體" panose="020B0604030504040204" pitchFamily="34" charset="-120"/>
-            </a:endParaRPr>
-          </a:p>
-          <a:p>
-            <a:pPr marL="0" indent="0">
-              <a:lnSpc>
-                <a:spcPct val="100000"/>
-              </a:lnSpc>
-              <a:buNone/>
-            </a:pPr>
-            <a:endParaRPr lang="en-US" altLang="zh-TW" sz="2000" b="0" dirty="0">
-              <a:latin typeface="微軟正黑體" panose="020B0604030504040204" pitchFamily="34" charset="-120"/>
-              <a:ea typeface="微軟正黑體" panose="020B0604030504040204" pitchFamily="34" charset="-120"/>
-            </a:endParaRPr>
-          </a:p>
-        </p:txBody>
-      </p:sp>
+      <mc:AlternateContent xmlns:mc="http://schemas.openxmlformats.org/markup-compatibility/2006">
+        <mc:Choice xmlns:a14="http://schemas.microsoft.com/office/drawing/2010/main" Requires="a14">
+          <p:sp>
+            <p:nvSpPr>
+              <p:cNvPr id="3" name="內容版面配置區 2">
+                <a:extLst>
+                  <a:ext uri="{FF2B5EF4-FFF2-40B4-BE49-F238E27FC236}">
+                    <a16:creationId xmlns:a16="http://schemas.microsoft.com/office/drawing/2014/main" id="{32BDED13-B17C-44A2-93E6-56AD858640BA}"/>
+                  </a:ext>
+                </a:extLst>
+              </p:cNvPr>
+              <p:cNvSpPr>
+                <a:spLocks noGrp="1"/>
+              </p:cNvSpPr>
+              <p:nvPr>
+                <p:ph idx="1"/>
+              </p:nvPr>
+            </p:nvSpPr>
+            <p:spPr>
+              <a:xfrm>
+                <a:off x="546538" y="935420"/>
+                <a:ext cx="11260488" cy="5632513"/>
+              </a:xfrm>
+            </p:spPr>
+            <p:txBody>
+              <a:bodyPr>
+                <a:normAutofit/>
+              </a:bodyPr>
+              <a:lstStyle/>
+              <a:p>
+                <a:pPr marL="0" indent="0">
+                  <a:lnSpc>
+                    <a:spcPct val="100000"/>
+                  </a:lnSpc>
+                  <a:buNone/>
+                </a:pPr>
+                <a:r>
+                  <a:rPr lang="en-US" altLang="zh-TW" sz="2000" b="0" dirty="0">
+                    <a:latin typeface="微軟正黑體" panose="020B0604030504040204" pitchFamily="34" charset="-120"/>
+                    <a:ea typeface="微軟正黑體" panose="020B0604030504040204" pitchFamily="34" charset="-120"/>
+                  </a:rPr>
+                  <a:t>x: </a:t>
+                </a:r>
+                <a:r>
+                  <a:rPr lang="en-US" altLang="zh-TW" sz="2000" b="0" dirty="0" err="1">
+                    <a:latin typeface="微軟正黑體" panose="020B0604030504040204" pitchFamily="34" charset="-120"/>
+                    <a:ea typeface="微軟正黑體" panose="020B0604030504040204" pitchFamily="34" charset="-120"/>
+                  </a:rPr>
+                  <a:t>Credit_Amt</a:t>
+                </a:r>
+                <a:r>
+                  <a:rPr lang="zh-TW" altLang="en-US" sz="2000" b="0" dirty="0">
+                    <a:latin typeface="微軟正黑體" panose="020B0604030504040204" pitchFamily="34" charset="-120"/>
+                    <a:ea typeface="微軟正黑體" panose="020B0604030504040204" pitchFamily="34" charset="-120"/>
+                  </a:rPr>
+                  <a:t>，</a:t>
+                </a:r>
+                <a14:m>
+                  <m:oMath xmlns:m="http://schemas.openxmlformats.org/officeDocument/2006/math">
+                    <m:sSub>
+                      <m:sSubPr>
+                        <m:ctrlPr>
+                          <a:rPr lang="en-US" altLang="zh-TW" sz="2000" b="0" i="1" smtClean="0">
+                            <a:latin typeface="Cambria Math" panose="02040503050406030204" pitchFamily="18" charset="0"/>
+                            <a:ea typeface="微軟正黑體" panose="020B0604030504040204" pitchFamily="34" charset="-120"/>
+                          </a:rPr>
+                        </m:ctrlPr>
+                      </m:sSubPr>
+                      <m:e>
+                        <m:r>
+                          <a:rPr lang="en-US" altLang="zh-TW" sz="2000" b="0" i="1" smtClean="0">
+                            <a:latin typeface="Cambria Math" panose="02040503050406030204" pitchFamily="18" charset="0"/>
+                            <a:ea typeface="微軟正黑體" panose="020B0604030504040204" pitchFamily="34" charset="-120"/>
+                          </a:rPr>
+                          <m:t>𝑥</m:t>
+                        </m:r>
+                      </m:e>
+                      <m:sub>
+                        <m:r>
+                          <a:rPr lang="en-US" altLang="zh-TW" sz="2000" b="0" i="1" smtClean="0">
+                            <a:latin typeface="Cambria Math" panose="02040503050406030204" pitchFamily="18" charset="0"/>
+                            <a:ea typeface="微軟正黑體" panose="020B0604030504040204" pitchFamily="34" charset="-120"/>
+                          </a:rPr>
+                          <m:t>0</m:t>
+                        </m:r>
+                      </m:sub>
+                    </m:sSub>
+                    <m:r>
+                      <a:rPr lang="en-US" altLang="zh-TW" sz="2000" i="1">
+                        <a:latin typeface="Cambria Math" panose="02040503050406030204" pitchFamily="18" charset="0"/>
+                        <a:ea typeface="微軟正黑體" panose="020B0604030504040204" pitchFamily="34" charset="-120"/>
+                      </a:rPr>
+                      <m:t>=537664</m:t>
+                    </m:r>
+                  </m:oMath>
+                </a14:m>
+                <a:endParaRPr lang="en-US" altLang="zh-TW" sz="2000" b="0" dirty="0">
+                  <a:latin typeface="微軟正黑體" panose="020B0604030504040204" pitchFamily="34" charset="-120"/>
+                  <a:ea typeface="微軟正黑體" panose="020B0604030504040204" pitchFamily="34" charset="-120"/>
+                </a:endParaRPr>
+              </a:p>
+              <a:p>
+                <a:pPr marL="0" indent="0">
+                  <a:lnSpc>
+                    <a:spcPct val="100000"/>
+                  </a:lnSpc>
+                  <a:buNone/>
+                </a:pPr>
+                <a:r>
+                  <a:rPr lang="en-US" altLang="zh-TW" sz="2000" b="0" dirty="0">
+                    <a:latin typeface="微軟正黑體" panose="020B0604030504040204" pitchFamily="34" charset="-120"/>
+                    <a:ea typeface="微軟正黑體" panose="020B0604030504040204" pitchFamily="34" charset="-120"/>
+                  </a:rPr>
+                  <a:t>y: </a:t>
+                </a:r>
+                <a:r>
+                  <a:rPr lang="en-US" altLang="zh-TW" sz="2000" b="0" dirty="0" err="1">
+                    <a:latin typeface="微軟正黑體" panose="020B0604030504040204" pitchFamily="34" charset="-120"/>
+                    <a:ea typeface="微軟正黑體" panose="020B0604030504040204" pitchFamily="34" charset="-120"/>
+                  </a:rPr>
+                  <a:t>number_of</a:t>
+                </a:r>
+                <a:r>
+                  <a:rPr lang="en-US" altLang="zh-TW" sz="2000" dirty="0" err="1">
+                    <a:latin typeface="微軟正黑體" panose="020B0604030504040204" pitchFamily="34" charset="-120"/>
+                    <a:ea typeface="微軟正黑體" panose="020B0604030504040204" pitchFamily="34" charset="-120"/>
+                  </a:rPr>
+                  <a:t>_Credit</a:t>
+                </a:r>
+                <a:r>
+                  <a:rPr lang="zh-TW" altLang="en-US" sz="2000" dirty="0">
+                    <a:latin typeface="微軟正黑體" panose="020B0604030504040204" pitchFamily="34" charset="-120"/>
+                    <a:ea typeface="微軟正黑體" panose="020B0604030504040204" pitchFamily="34" charset="-120"/>
+                  </a:rPr>
+                  <a:t>，</a:t>
+                </a:r>
+                <a14:m>
+                  <m:oMath xmlns:m="http://schemas.openxmlformats.org/officeDocument/2006/math">
+                    <m:sSub>
+                      <m:sSubPr>
+                        <m:ctrlPr>
+                          <a:rPr lang="en-US" altLang="zh-TW" sz="2000" b="0" i="1" smtClean="0">
+                            <a:latin typeface="Cambria Math" panose="02040503050406030204" pitchFamily="18" charset="0"/>
+                            <a:ea typeface="微軟正黑體" panose="020B0604030504040204" pitchFamily="34" charset="-120"/>
+                          </a:rPr>
+                        </m:ctrlPr>
+                      </m:sSubPr>
+                      <m:e>
+                        <m:r>
+                          <a:rPr lang="en-US" altLang="zh-TW" sz="2000" b="0" i="1" smtClean="0">
+                            <a:latin typeface="Cambria Math" panose="02040503050406030204" pitchFamily="18" charset="0"/>
+                            <a:ea typeface="微軟正黑體" panose="020B0604030504040204" pitchFamily="34" charset="-120"/>
+                          </a:rPr>
+                          <m:t>𝑦</m:t>
+                        </m:r>
+                      </m:e>
+                      <m:sub>
+                        <m:r>
+                          <a:rPr lang="en-US" altLang="zh-TW" sz="2000" b="0" i="1" smtClean="0">
+                            <a:latin typeface="Cambria Math" panose="02040503050406030204" pitchFamily="18" charset="0"/>
+                            <a:ea typeface="微軟正黑體" panose="020B0604030504040204" pitchFamily="34" charset="-120"/>
+                          </a:rPr>
+                          <m:t>0</m:t>
+                        </m:r>
+                      </m:sub>
+                    </m:sSub>
+                    <m:r>
+                      <a:rPr lang="en-US" altLang="zh-TW" sz="2000" i="1">
+                        <a:latin typeface="Cambria Math" panose="02040503050406030204" pitchFamily="18" charset="0"/>
+                        <a:ea typeface="微軟正黑體" panose="020B0604030504040204" pitchFamily="34" charset="-120"/>
+                      </a:rPr>
+                      <m:t>=20</m:t>
+                    </m:r>
+                  </m:oMath>
+                </a14:m>
+                <a:endParaRPr lang="en-US" altLang="zh-TW" sz="2000" dirty="0">
+                  <a:latin typeface="微軟正黑體" panose="020B0604030504040204" pitchFamily="34" charset="-120"/>
+                  <a:ea typeface="微軟正黑體" panose="020B0604030504040204" pitchFamily="34" charset="-120"/>
+                </a:endParaRPr>
+              </a:p>
+              <a:p>
+                <a:pPr marL="0" indent="0">
+                  <a:lnSpc>
+                    <a:spcPct val="100000"/>
+                  </a:lnSpc>
+                  <a:buNone/>
+                </a:pPr>
+                <a:r>
+                  <a:rPr lang="en-US" altLang="zh-TW" sz="2000" b="0" dirty="0" err="1">
+                    <a:latin typeface="微軟正黑體" panose="020B0604030504040204" pitchFamily="34" charset="-120"/>
+                    <a:ea typeface="微軟正黑體" panose="020B0604030504040204" pitchFamily="34" charset="-120"/>
+                  </a:rPr>
+                  <a:t>Step_size</a:t>
+                </a:r>
+                <a:r>
+                  <a:rPr lang="en-US" altLang="zh-TW" sz="2000" b="0" dirty="0">
+                    <a:latin typeface="微軟正黑體" panose="020B0604030504040204" pitchFamily="34" charset="-120"/>
+                    <a:ea typeface="微軟正黑體" panose="020B0604030504040204" pitchFamily="34" charset="-120"/>
+                  </a:rPr>
+                  <a:t> = 1</a:t>
+                </a:r>
+              </a:p>
+              <a:p>
+                <a:pPr marL="0" indent="0">
+                  <a:lnSpc>
+                    <a:spcPct val="100000"/>
+                  </a:lnSpc>
+                  <a:buNone/>
+                </a:pPr>
+                <a:r>
+                  <a:rPr lang="en-US" altLang="zh-TW" sz="2000" dirty="0">
+                    <a:latin typeface="微軟正黑體" panose="020B0604030504040204" pitchFamily="34" charset="-120"/>
+                    <a:ea typeface="微軟正黑體" panose="020B0604030504040204" pitchFamily="34" charset="-120"/>
+                  </a:rPr>
+                  <a:t>Gamma = 1e-10</a:t>
+                </a:r>
+              </a:p>
+              <a:p>
+                <a:pPr marL="0" indent="0">
+                  <a:lnSpc>
+                    <a:spcPct val="100000"/>
+                  </a:lnSpc>
+                  <a:buNone/>
+                </a:pPr>
+                <a:r>
+                  <a:rPr lang="en-US" altLang="zh-TW" sz="2000" b="0" dirty="0" err="1">
+                    <a:latin typeface="微軟正黑體" panose="020B0604030504040204" pitchFamily="34" charset="-120"/>
+                    <a:ea typeface="微軟正黑體" panose="020B0604030504040204" pitchFamily="34" charset="-120"/>
+                  </a:rPr>
+                  <a:t>Sigmoid_b</a:t>
+                </a:r>
+                <a:r>
+                  <a:rPr lang="en-US" altLang="zh-TW" sz="2000" b="0" dirty="0">
+                    <a:latin typeface="微軟正黑體" panose="020B0604030504040204" pitchFamily="34" charset="-120"/>
+                    <a:ea typeface="微軟正黑體" panose="020B0604030504040204" pitchFamily="34" charset="-120"/>
+                  </a:rPr>
+                  <a:t> = 0.8</a:t>
+                </a:r>
+              </a:p>
+              <a:p>
+                <a:pPr marL="0" indent="0">
+                  <a:lnSpc>
+                    <a:spcPct val="100000"/>
+                  </a:lnSpc>
+                  <a:buNone/>
+                </a:pPr>
+                <a:r>
+                  <a:rPr lang="en-US" altLang="zh-TW" sz="2000" dirty="0" err="1">
+                    <a:latin typeface="微軟正黑體" panose="020B0604030504040204" pitchFamily="34" charset="-120"/>
+                    <a:ea typeface="微軟正黑體" panose="020B0604030504040204" pitchFamily="34" charset="-120"/>
+                  </a:rPr>
+                  <a:t>Sigmoid_w</a:t>
+                </a:r>
+                <a:r>
+                  <a:rPr lang="en-US" altLang="zh-TW" sz="2000" dirty="0">
+                    <a:latin typeface="微軟正黑體" panose="020B0604030504040204" pitchFamily="34" charset="-120"/>
+                    <a:ea typeface="微軟正黑體" panose="020B0604030504040204" pitchFamily="34" charset="-120"/>
+                  </a:rPr>
+                  <a:t> = 5</a:t>
+                </a:r>
+                <a:endParaRPr lang="en-US" altLang="zh-TW" sz="2000" b="0" dirty="0">
+                  <a:latin typeface="微軟正黑體" panose="020B0604030504040204" pitchFamily="34" charset="-120"/>
+                  <a:ea typeface="微軟正黑體" panose="020B0604030504040204" pitchFamily="34" charset="-120"/>
+                </a:endParaRPr>
+              </a:p>
+              <a:p>
+                <a:pPr marL="0" indent="0">
+                  <a:lnSpc>
+                    <a:spcPct val="100000"/>
+                  </a:lnSpc>
+                  <a:buNone/>
+                </a:pPr>
+                <a:endParaRPr lang="en-US" altLang="zh-TW" sz="2000" b="0" dirty="0">
+                  <a:latin typeface="微軟正黑體" panose="020B0604030504040204" pitchFamily="34" charset="-120"/>
+                  <a:ea typeface="微軟正黑體" panose="020B0604030504040204" pitchFamily="34" charset="-120"/>
+                </a:endParaRPr>
+              </a:p>
+            </p:txBody>
+          </p:sp>
+        </mc:Choice>
+        <mc:Fallback>
+          <p:sp>
+            <p:nvSpPr>
+              <p:cNvPr id="3" name="內容版面配置區 2">
+                <a:extLst>
+                  <a:ext uri="{FF2B5EF4-FFF2-40B4-BE49-F238E27FC236}">
+                    <a16:creationId xmlns:a16="http://schemas.microsoft.com/office/drawing/2014/main" id="{32BDED13-B17C-44A2-93E6-56AD858640BA}"/>
+                  </a:ext>
+                </a:extLst>
+              </p:cNvPr>
+              <p:cNvSpPr>
+                <a:spLocks noGrp="1" noRot="1" noChangeAspect="1" noMove="1" noResize="1" noEditPoints="1" noAdjustHandles="1" noChangeArrowheads="1" noChangeShapeType="1" noTextEdit="1"/>
+              </p:cNvSpPr>
+              <p:nvPr>
+                <p:ph idx="1"/>
+              </p:nvPr>
+            </p:nvSpPr>
+            <p:spPr>
+              <a:xfrm>
+                <a:off x="546538" y="935420"/>
+                <a:ext cx="11260488" cy="5632513"/>
+              </a:xfrm>
+              <a:blipFill>
+                <a:blip r:embed="rId3"/>
+                <a:stretch>
+                  <a:fillRect l="-596" t="-541"/>
+                </a:stretch>
+              </a:blipFill>
+            </p:spPr>
+            <p:txBody>
+              <a:bodyPr/>
+              <a:lstStyle/>
+              <a:p>
+                <a:r>
+                  <a:rPr lang="zh-TW" altLang="en-US">
+                    <a:noFill/>
+                  </a:rPr>
+                  <a:t> </a:t>
+                </a:r>
+              </a:p>
+            </p:txBody>
+          </p:sp>
+        </mc:Fallback>
+      </mc:AlternateContent>
       <p:graphicFrame>
         <p:nvGraphicFramePr>
           <p:cNvPr id="4" name="表格 3">
@@ -7596,7 +7735,7 @@
           <p:nvPr>
             <p:extLst>
               <p:ext uri="{D42A27DB-BD31-4B8C-83A1-F6EECF244321}">
-                <p14:modId xmlns:p14="http://schemas.microsoft.com/office/powerpoint/2010/main" val="1649232219"/>
+                <p14:modId xmlns:p14="http://schemas.microsoft.com/office/powerpoint/2010/main" val="695835820"/>
               </p:ext>
             </p:extLst>
           </p:nvPr>
